--- a/www/talks/Kaizen Talk 2024-05 Monades.pptx
+++ b/www/talks/Kaizen Talk 2024-05 Monades.pptx
@@ -239,7 +239,7 @@
           <a:p>
             <a:fld id="{DE333053-91D2-4299-8740-39D080F669F2}" type="datetimeFigureOut">
               <a:rPr lang="fr-FR" smtClean="0"/>
-              <a:t>08/10/2024</a:t>
+              <a:t>03/11/2024</a:t>
             </a:fld>
             <a:endParaRPr lang="fr-FR"/>
           </a:p>
@@ -444,7 +444,7 @@
           <a:p>
             <a:fld id="{D630A069-2C03-4F74-82AC-09F8C82EF808}" type="datetimeFigureOut">
               <a:rPr lang="fr-FR" smtClean="0"/>
-              <a:t>08/10/2024</a:t>
+              <a:t>03/11/2024</a:t>
             </a:fld>
             <a:endParaRPr lang="fr-FR"/>
           </a:p>
@@ -3420,7 +3420,7 @@
             <a:fld id="{E9D765A7-E8AF-4059-A516-24CFDDCAA0E3}" type="datetimeFigureOut">
               <a:rPr lang="fr-FR" smtClean="0"/>
               <a:pPr/>
-              <a:t>08/10/2024</a:t>
+              <a:t>03/11/2024</a:t>
             </a:fld>
             <a:endParaRPr lang="fr-FR"/>
           </a:p>
@@ -11522,7 +11522,7 @@
             <a:fld id="{E9D765A7-E8AF-4059-A516-24CFDDCAA0E3}" type="datetimeFigureOut">
               <a:rPr lang="fr-FR" smtClean="0"/>
               <a:pPr/>
-              <a:t>08/10/2024</a:t>
+              <a:t>03/11/2024</a:t>
             </a:fld>
             <a:endParaRPr lang="fr-FR"/>
           </a:p>
@@ -12036,7 +12036,7 @@
             <a:fld id="{E9D765A7-E8AF-4059-A516-24CFDDCAA0E3}" type="datetimeFigureOut">
               <a:rPr lang="fr-FR" smtClean="0"/>
               <a:pPr/>
-              <a:t>08/10/2024</a:t>
+              <a:t>03/11/2024</a:t>
             </a:fld>
             <a:endParaRPr lang="fr-FR"/>
           </a:p>
@@ -17291,7 +17291,7 @@
               <a:t>"</a:t>
             </a:r>
             <a:r>
-              <a:rPr kumimoji="0" lang="fr-FR" altLang="fr-FR" sz="2000" b="1" i="0" u="none" strike="noStrike" cap="none" normalizeH="0" baseline="0" dirty="0" err="1">
+              <a:rPr kumimoji="0" lang="fr-FR" altLang="fr-FR" sz="2000" b="1" i="0" u="none" strike="noStrike" cap="none" normalizeH="0" baseline="0">
                 <a:ln>
                   <a:noFill/>
                 </a:ln>
@@ -17301,7 +17301,7 @@
                 <a:effectLst/>
                 <a:latin typeface="JetBrains Mono"/>
               </a:rPr>
-              <a:t>Monad</a:t>
+              <a:t>Monadic[</a:t>
             </a:r>
             <a:r>
               <a:rPr kumimoji="0" lang="fr-FR" altLang="fr-FR" sz="2000" b="1" i="0" u="none" strike="noStrike" cap="none" normalizeH="0" baseline="0" dirty="0">
@@ -17314,7 +17314,7 @@
                 <a:effectLst/>
                 <a:latin typeface="JetBrains Mono"/>
               </a:rPr>
-              <a:t>[U]"</a:t>
+              <a:t>U]"</a:t>
             </a:r>
             <a:r>
               <a:rPr kumimoji="0" lang="fr-FR" altLang="fr-FR" sz="2000" b="0" i="0" u="none" strike="noStrike" cap="none" normalizeH="0" baseline="0" dirty="0">
@@ -18846,7 +18846,7 @@
             </a:r>
             <a:r>
               <a:rPr lang="fr-FR" i="1" dirty="0" err="1"/>
-              <a:t>Either</a:t>
+              <a:t>Result</a:t>
             </a:r>
             <a:endParaRPr lang="fr-FR" i="1" dirty="0"/>
           </a:p>
@@ -20053,10 +20053,34 @@
               <a:t>Concepts fonctionnels : </a:t>
             </a:r>
             <a:r>
+              <a:rPr lang="fr-FR" sz="2400" i="1" dirty="0" err="1">
+                <a:latin typeface="+mn-lt"/>
+              </a:rPr>
+              <a:t>pureness</a:t>
+            </a:r>
+            <a:r>
+              <a:rPr lang="fr-FR" sz="2400" dirty="0">
+                <a:latin typeface="+mn-lt"/>
+              </a:rPr>
+              <a:t>, </a:t>
+            </a:r>
+            <a:r>
+              <a:rPr lang="fr-FR" sz="2400" i="1" dirty="0" err="1">
+                <a:latin typeface="+mn-lt"/>
+              </a:rPr>
+              <a:t>lazyness</a:t>
+            </a:r>
+            <a:r>
+              <a:rPr lang="fr-FR" sz="2400" dirty="0">
+                <a:latin typeface="+mn-lt"/>
+              </a:rPr>
+              <a:t>, </a:t>
+            </a:r>
+            <a:r>
               <a:rPr lang="fr-FR" sz="2400" dirty="0" err="1">
                 <a:latin typeface="+mn-lt"/>
               </a:rPr>
-              <a:t>pureness</a:t>
+              <a:t>HKTs</a:t>
             </a:r>
             <a:r>
               <a:rPr lang="fr-FR" sz="2400" dirty="0">
@@ -20065,55 +20089,85 @@
               <a:t>, </a:t>
             </a:r>
             <a:r>
-              <a:rPr lang="fr-FR" sz="2400" dirty="0" err="1">
+              <a:rPr lang="fr-FR" sz="2400" i="1" dirty="0">
                 <a:latin typeface="+mn-lt"/>
               </a:rPr>
-              <a:t>lazyness</a:t>
+              <a:t>union</a:t>
             </a:r>
             <a:r>
               <a:rPr lang="fr-FR" sz="2400" dirty="0">
                 <a:latin typeface="+mn-lt"/>
               </a:rPr>
-              <a:t>, </a:t>
-            </a:r>
-            <a:r>
-              <a:rPr lang="fr-FR" sz="2400" dirty="0" err="1">
+              <a:t> et </a:t>
+            </a:r>
+            <a:r>
+              <a:rPr lang="fr-FR" sz="2400" i="1" dirty="0" err="1">
                 <a:latin typeface="+mn-lt"/>
               </a:rPr>
-              <a:t>HKTs</a:t>
+              <a:t>product</a:t>
+            </a:r>
+            <a:r>
+              <a:rPr lang="fr-FR" sz="2400" i="1" dirty="0">
+                <a:latin typeface="+mn-lt"/>
+              </a:rPr>
+              <a:t> types</a:t>
             </a:r>
             <a:r>
               <a:rPr lang="fr-FR" sz="2400" dirty="0">
                 <a:latin typeface="+mn-lt"/>
               </a:rPr>
-              <a:t>, union and </a:t>
-            </a:r>
-            <a:r>
-              <a:rPr lang="fr-FR" sz="2400" dirty="0" err="1">
+              <a:t>, </a:t>
+            </a:r>
+            <a:r>
+              <a:rPr lang="fr-FR" sz="2400" i="1" dirty="0" err="1">
                 <a:latin typeface="+mn-lt"/>
               </a:rPr>
-              <a:t>product</a:t>
+              <a:t>linear</a:t>
+            </a:r>
+            <a:r>
+              <a:rPr lang="fr-FR" sz="2400" i="1" dirty="0">
+                <a:latin typeface="+mn-lt"/>
+              </a:rPr>
+              <a:t> types</a:t>
             </a:r>
             <a:r>
               <a:rPr lang="fr-FR" sz="2400" dirty="0">
                 <a:latin typeface="+mn-lt"/>
               </a:rPr>
-              <a:t> types, </a:t>
-            </a:r>
-            <a:r>
-              <a:rPr lang="fr-FR" sz="2400" dirty="0" err="1">
+              <a:t>, </a:t>
+            </a:r>
+            <a:r>
+              <a:rPr lang="fr-FR" sz="2400" i="1" dirty="0">
                 <a:latin typeface="+mn-lt"/>
               </a:rPr>
-              <a:t>linear</a:t>
+              <a:t>existential types</a:t>
             </a:r>
             <a:r>
               <a:rPr lang="fr-FR" sz="2400" dirty="0">
                 <a:latin typeface="+mn-lt"/>
               </a:rPr>
-              <a:t> types, existential types, type classes et type </a:t>
-            </a:r>
-            <a:r>
-              <a:rPr lang="fr-FR" sz="2400" dirty="0" err="1">
+              <a:t>, </a:t>
+            </a:r>
+            <a:r>
+              <a:rPr lang="fr-FR" sz="2400" i="1" dirty="0">
+                <a:latin typeface="+mn-lt"/>
+              </a:rPr>
+              <a:t>type classes</a:t>
+            </a:r>
+            <a:r>
+              <a:rPr lang="fr-FR" sz="2400" dirty="0">
+                <a:latin typeface="+mn-lt"/>
+              </a:rPr>
+              <a:t> et </a:t>
+            </a:r>
+            <a:r>
+              <a:rPr lang="fr-FR" sz="2400" i="1" dirty="0">
+                <a:latin typeface="+mn-lt"/>
+              </a:rPr>
+              <a:t>type </a:t>
+            </a:r>
+            <a:r>
+              <a:rPr lang="fr-FR" sz="2400" i="1" dirty="0" err="1">
                 <a:latin typeface="+mn-lt"/>
               </a:rPr>
               <a:t>constructors</a:t>
@@ -20274,8 +20328,8 @@
         </p:nvSpPr>
         <p:spPr>
           <a:xfrm>
-            <a:off x="4548140" y="3429000"/>
-            <a:ext cx="3095719" cy="369332"/>
+            <a:off x="3092613" y="3105834"/>
+            <a:ext cx="6006773" cy="646331"/>
           </a:xfrm>
           <a:prstGeom prst="rect">
             <a:avLst/>
@@ -20289,7 +20343,7 @@
           <a:lstStyle/>
           <a:p>
             <a:r>
-              <a:rPr lang="fr-FR" dirty="0"/>
+              <a:rPr lang="fr-FR" sz="3600" dirty="0"/>
               <a:t>(les illustrations sont NSFW)</a:t>
             </a:r>
           </a:p>
@@ -27622,6 +27676,56 @@
 </file>
 
 <file path=customXml/item1.xml><?xml version="1.0" encoding="utf-8"?>
+<?mso-contentType ?>
+<spe:Receivers xmlns:spe="http://schemas.microsoft.com/sharepoint/events">
+  <Receiver>
+    <Name>Document ID Generator</Name>
+    <Synchronization>Synchronous</Synchronization>
+    <Type>10001</Type>
+    <SequenceNumber>1000</SequenceNumber>
+    <Url/>
+    <Assembly>Microsoft.Office.DocumentManagement, Version=16.0.0.0, Culture=neutral, PublicKeyToken=71e9bce111e9429c</Assembly>
+    <Class>Microsoft.Office.DocumentManagement.Internal.DocIdHandler</Class>
+    <Data/>
+    <Filter/>
+  </Receiver>
+  <Receiver>
+    <Name>Document ID Generator</Name>
+    <Synchronization>Synchronous</Synchronization>
+    <Type>10002</Type>
+    <SequenceNumber>1001</SequenceNumber>
+    <Url/>
+    <Assembly>Microsoft.Office.DocumentManagement, Version=16.0.0.0, Culture=neutral, PublicKeyToken=71e9bce111e9429c</Assembly>
+    <Class>Microsoft.Office.DocumentManagement.Internal.DocIdHandler</Class>
+    <Data/>
+    <Filter/>
+  </Receiver>
+  <Receiver>
+    <Name>Document ID Generator</Name>
+    <Synchronization>Synchronous</Synchronization>
+    <Type>10004</Type>
+    <SequenceNumber>1002</SequenceNumber>
+    <Url/>
+    <Assembly>Microsoft.Office.DocumentManagement, Version=16.0.0.0, Culture=neutral, PublicKeyToken=71e9bce111e9429c</Assembly>
+    <Class>Microsoft.Office.DocumentManagement.Internal.DocIdHandler</Class>
+    <Data/>
+    <Filter/>
+  </Receiver>
+  <Receiver>
+    <Name>Document ID Generator</Name>
+    <Synchronization>Synchronous</Synchronization>
+    <Type>10006</Type>
+    <SequenceNumber>1003</SequenceNumber>
+    <Url/>
+    <Assembly>Microsoft.Office.DocumentManagement, Version=16.0.0.0, Culture=neutral, PublicKeyToken=71e9bce111e9429c</Assembly>
+    <Class>Microsoft.Office.DocumentManagement.Internal.DocIdHandler</Class>
+    <Data/>
+    <Filter/>
+  </Receiver>
+</spe:Receivers>
+</file>
+
+<file path=customXml/item2.xml><?xml version="1.0" encoding="utf-8"?>
 <ct:contentTypeSchema xmlns:ct="http://schemas.microsoft.com/office/2006/metadata/contentType" xmlns:ma="http://schemas.microsoft.com/office/2006/metadata/properties/metaAttributes" ct:_="" ma:_="" ma:contentTypeName="Document" ma:contentTypeID="0x010100B2FCE0D7B4889046A57C3C013528AFAD" ma:contentTypeVersion="5" ma:contentTypeDescription="Crée un document." ma:contentTypeScope="" ma:versionID="d24b6e17aeacc4ac3ea7ae90b0b54834">
   <xsd:schema xmlns:xsd="http://www.w3.org/2001/XMLSchema" xmlns:xs="http://www.w3.org/2001/XMLSchema" xmlns:p="http://schemas.microsoft.com/office/2006/metadata/properties" xmlns:ns2="bc80c6b7-0c52-4688-bbde-4cfd46a4f8a1" xmlns:ns3="19389953-4af5-4850-bf8a-9565147af8dd" targetNamespace="http://schemas.microsoft.com/office/2006/metadata/properties" ma:root="true" ma:fieldsID="3e38bef0c3eed0c67b803d160b49adf3" ns2:_="" ns3:_="">
     <xsd:import namespace="bc80c6b7-0c52-4688-bbde-4cfd46a4f8a1"/>
@@ -27817,7 +27921,7 @@
 </ct:contentTypeSchema>
 </file>
 
-<file path=customXml/item2.xml><?xml version="1.0" encoding="utf-8"?>
+<file path=customXml/item3.xml><?xml version="1.0" encoding="utf-8"?>
 <?mso-contentType ?>
 <FormTemplates xmlns="http://schemas.microsoft.com/sharepoint/v3/contenttype/forms">
   <Display>DocumentLibraryForm</Display>
@@ -27826,7 +27930,7 @@
 </FormTemplates>
 </file>
 
-<file path=customXml/item3.xml><?xml version="1.0" encoding="utf-8"?>
+<file path=customXml/item4.xml><?xml version="1.0" encoding="utf-8"?>
 <p:properties xmlns:p="http://schemas.microsoft.com/office/2006/metadata/properties" xmlns:xsi="http://www.w3.org/2001/XMLSchema-instance" xmlns:pc="http://schemas.microsoft.com/office/infopath/2007/PartnerControls">
   <documentManagement>
     <_dlc_DocId xmlns="bc80c6b7-0c52-4688-bbde-4cfd46a4f8a1">YTWNDPWUCK4P-322393998-40</_dlc_DocId>
@@ -27838,57 +27942,15 @@
 </p:properties>
 </file>
 
-<file path=customXml/item4.xml><?xml version="1.0" encoding="utf-8"?>
-<?mso-contentType ?>
-<spe:Receivers xmlns:spe="http://schemas.microsoft.com/sharepoint/events">
-  <Receiver>
-    <Name>Document ID Generator</Name>
-    <Synchronization>Synchronous</Synchronization>
-    <Type>10001</Type>
-    <SequenceNumber>1000</SequenceNumber>
-    <Url/>
-    <Assembly>Microsoft.Office.DocumentManagement, Version=16.0.0.0, Culture=neutral, PublicKeyToken=71e9bce111e9429c</Assembly>
-    <Class>Microsoft.Office.DocumentManagement.Internal.DocIdHandler</Class>
-    <Data/>
-    <Filter/>
-  </Receiver>
-  <Receiver>
-    <Name>Document ID Generator</Name>
-    <Synchronization>Synchronous</Synchronization>
-    <Type>10002</Type>
-    <SequenceNumber>1001</SequenceNumber>
-    <Url/>
-    <Assembly>Microsoft.Office.DocumentManagement, Version=16.0.0.0, Culture=neutral, PublicKeyToken=71e9bce111e9429c</Assembly>
-    <Class>Microsoft.Office.DocumentManagement.Internal.DocIdHandler</Class>
-    <Data/>
-    <Filter/>
-  </Receiver>
-  <Receiver>
-    <Name>Document ID Generator</Name>
-    <Synchronization>Synchronous</Synchronization>
-    <Type>10004</Type>
-    <SequenceNumber>1002</SequenceNumber>
-    <Url/>
-    <Assembly>Microsoft.Office.DocumentManagement, Version=16.0.0.0, Culture=neutral, PublicKeyToken=71e9bce111e9429c</Assembly>
-    <Class>Microsoft.Office.DocumentManagement.Internal.DocIdHandler</Class>
-    <Data/>
-    <Filter/>
-  </Receiver>
-  <Receiver>
-    <Name>Document ID Generator</Name>
-    <Synchronization>Synchronous</Synchronization>
-    <Type>10006</Type>
-    <SequenceNumber>1003</SequenceNumber>
-    <Url/>
-    <Assembly>Microsoft.Office.DocumentManagement, Version=16.0.0.0, Culture=neutral, PublicKeyToken=71e9bce111e9429c</Assembly>
-    <Class>Microsoft.Office.DocumentManagement.Internal.DocIdHandler</Class>
-    <Data/>
-    <Filter/>
-  </Receiver>
-</spe:Receivers>
+<file path=customXml/itemProps1.xml><?xml version="1.0" encoding="utf-8"?>
+<ds:datastoreItem xmlns:ds="http://schemas.openxmlformats.org/officeDocument/2006/customXml" ds:itemID="{7884A929-704C-47D1-9F9A-183248D4BAFE}">
+  <ds:schemaRefs>
+    <ds:schemaRef ds:uri="http://schemas.microsoft.com/sharepoint/events"/>
+  </ds:schemaRefs>
+</ds:datastoreItem>
 </file>
 
-<file path=customXml/itemProps1.xml><?xml version="1.0" encoding="utf-8"?>
+<file path=customXml/itemProps2.xml><?xml version="1.0" encoding="utf-8"?>
 <ds:datastoreItem xmlns:ds="http://schemas.openxmlformats.org/officeDocument/2006/customXml" ds:itemID="{53D38F88-98A2-4BED-A6EA-16FC48F97F35}">
   <ds:schemaRefs>
     <ds:schemaRef ds:uri="http://schemas.microsoft.com/office/2006/metadata/contentType"/>
@@ -27907,7 +27969,7 @@
 </ds:datastoreItem>
 </file>
 
-<file path=customXml/itemProps2.xml><?xml version="1.0" encoding="utf-8"?>
+<file path=customXml/itemProps3.xml><?xml version="1.0" encoding="utf-8"?>
 <ds:datastoreItem xmlns:ds="http://schemas.openxmlformats.org/officeDocument/2006/customXml" ds:itemID="{D4151958-2A79-46DE-BFB5-64DB6D122533}">
   <ds:schemaRefs>
     <ds:schemaRef ds:uri="http://schemas.microsoft.com/sharepoint/v3/contenttype/forms"/>
@@ -27915,7 +27977,7 @@
 </ds:datastoreItem>
 </file>
 
-<file path=customXml/itemProps3.xml><?xml version="1.0" encoding="utf-8"?>
+<file path=customXml/itemProps4.xml><?xml version="1.0" encoding="utf-8"?>
 <ds:datastoreItem xmlns:ds="http://schemas.openxmlformats.org/officeDocument/2006/customXml" ds:itemID="{8B0B19D8-778F-43C4-8351-2A1969B86D75}">
   <ds:schemaRefs>
     <ds:schemaRef ds:uri="http://purl.org/dc/terms/"/>
@@ -27930,12 +27992,4 @@
     <ds:schemaRef ds:uri="19389953-4af5-4850-bf8a-9565147af8dd"/>
   </ds:schemaRefs>
 </ds:datastoreItem>
-</file>
-
-<file path=customXml/itemProps4.xml><?xml version="1.0" encoding="utf-8"?>
-<ds:datastoreItem xmlns:ds="http://schemas.openxmlformats.org/officeDocument/2006/customXml" ds:itemID="{7884A929-704C-47D1-9F9A-183248D4BAFE}">
-  <ds:schemaRefs>
-    <ds:schemaRef ds:uri="http://schemas.microsoft.com/sharepoint/events"/>
-  </ds:schemaRefs>
-</ds:datastoreItem>
 </file>